--- a/templates/youtube_base.pptx
+++ b/templates/youtube_base.pptx
@@ -101,6 +101,11 @@
       </a:defRPr>
     </a:lvl9pPr>
   </p:defaultTextStyle>
+  <p:extLst>
+    <p:ext uri="{EFAFB233-063F-42B5-8137-9DF3F51BA10A}">
+      <p15:sldGuideLst xmlns:p15="http://schemas.microsoft.com/office/powerpoint/2012/main"/>
+    </p:ext>
+  </p:extLst>
 </p:presentation>
 </file>
 
@@ -367,6 +372,349 @@
 </p:sldLayout>
 </file>
 
+<file path=ppt/slideLayouts/slideLayout2.xml><?xml version="1.0" encoding="utf-8"?>
+<p:sldLayout xmlns:a="http://schemas.openxmlformats.org/drawingml/2006/main" xmlns:r="http://schemas.openxmlformats.org/officeDocument/2006/relationships" xmlns:p="http://schemas.openxmlformats.org/presentationml/2006/main" preserve="1" userDrawn="1">
+  <p:cSld name="TitleLayout">
+    <p:bg>
+      <p:bgPr>
+        <a:solidFill>
+          <a:srgbClr val="212121"/>
+        </a:solidFill>
+        <a:effectLst/>
+      </p:bgPr>
+    </p:bg>
+    <p:spTree>
+      <p:nvGrpSpPr>
+        <p:cNvPr id="1" name=""/>
+        <p:cNvGrpSpPr/>
+        <p:nvPr/>
+      </p:nvGrpSpPr>
+      <p:grpSpPr>
+        <a:xfrm>
+          <a:off x="0" y="0"/>
+          <a:ext cx="0" cy="0"/>
+          <a:chOff x="0" y="0"/>
+          <a:chExt cx="0" cy="0"/>
+        </a:xfrm>
+      </p:grpSpPr>
+      <p:sp>
+        <p:nvSpPr>
+          <p:cNvPr id="6" name="Текст 5">
+            <a:extLst>
+              <a:ext uri="{FF2B5EF4-FFF2-40B4-BE49-F238E27FC236}">
+                <a16:creationId xmlns:a16="http://schemas.microsoft.com/office/drawing/2014/main" id="{E0AEEBFA-CB75-49B9-5C2E-323EA8BB96F8}"/>
+              </a:ext>
+            </a:extLst>
+          </p:cNvPr>
+          <p:cNvSpPr>
+            <a:spLocks noGrp="1"/>
+          </p:cNvSpPr>
+          <p:nvPr>
+            <p:ph type="body" sz="quarter" idx="10" hasCustomPrompt="1"/>
+          </p:nvPr>
+        </p:nvSpPr>
+        <p:spPr>
+          <a:xfrm>
+            <a:off x="0" y="641176"/>
+            <a:ext cx="5339166" cy="2545339"/>
+          </a:xfrm>
+          <a:prstGeom prst="rect">
+            <a:avLst/>
+          </a:prstGeom>
+        </p:spPr>
+        <p:txBody>
+          <a:bodyPr/>
+          <a:lstStyle>
+            <a:lvl1pPr algn="ctr">
+              <a:buNone/>
+              <a:defRPr sz="4800">
+                <a:solidFill>
+                  <a:schemeClr val="bg2"/>
+                </a:solidFill>
+                <a:latin typeface="Arial" panose="020B0604020202020204" pitchFamily="34" charset="0"/>
+                <a:cs typeface="Arial" panose="020B0604020202020204" pitchFamily="34" charset="0"/>
+              </a:defRPr>
+            </a:lvl1pPr>
+            <a:lvl2pPr>
+              <a:buNone/>
+              <a:defRPr sz="2400"/>
+            </a:lvl2pPr>
+            <a:lvl3pPr>
+              <a:defRPr sz="2400"/>
+            </a:lvl3pPr>
+            <a:lvl4pPr>
+              <a:defRPr sz="2400"/>
+            </a:lvl4pPr>
+            <a:lvl5pPr>
+              <a:defRPr sz="2400"/>
+            </a:lvl5pPr>
+          </a:lstStyle>
+          <a:p>
+            <a:pPr lvl="0"/>
+            <a:r>
+              <a:rPr lang="ru-RU" dirty="0"/>
+              <a:t>Заголовок в несколько </a:t>
+            </a:r>
+          </a:p>
+          <a:p>
+            <a:pPr lvl="0"/>
+            <a:r>
+              <a:rPr lang="ru-RU" dirty="0"/>
+              <a:t>Строк текста</a:t>
+            </a:r>
+          </a:p>
+        </p:txBody>
+      </p:sp>
+      <p:sp>
+        <p:nvSpPr>
+          <p:cNvPr id="10" name="Овал 9">
+            <a:extLst>
+              <a:ext uri="{FF2B5EF4-FFF2-40B4-BE49-F238E27FC236}">
+                <a16:creationId xmlns:a16="http://schemas.microsoft.com/office/drawing/2014/main" id="{871D25E7-9D6A-6653-BAA5-8D5DC34B0E95}"/>
+              </a:ext>
+            </a:extLst>
+          </p:cNvPr>
+          <p:cNvSpPr/>
+          <p:nvPr userDrawn="1"/>
+        </p:nvSpPr>
+        <p:spPr>
+          <a:xfrm>
+            <a:off x="375757" y="5023900"/>
+            <a:ext cx="1538032" cy="1538032"/>
+          </a:xfrm>
+          <a:prstGeom prst="ellipse">
+            <a:avLst/>
+          </a:prstGeom>
+          <a:solidFill>
+            <a:srgbClr val="FFCB25"/>
+          </a:solidFill>
+          <a:ln>
+            <a:solidFill>
+              <a:srgbClr val="FFCB25"/>
+            </a:solidFill>
+          </a:ln>
+        </p:spPr>
+        <p:style>
+          <a:lnRef idx="2">
+            <a:schemeClr val="accent1">
+              <a:shade val="15000"/>
+            </a:schemeClr>
+          </a:lnRef>
+          <a:fillRef idx="1">
+            <a:schemeClr val="accent1"/>
+          </a:fillRef>
+          <a:effectRef idx="0">
+            <a:schemeClr val="accent1"/>
+          </a:effectRef>
+          <a:fontRef idx="minor">
+            <a:schemeClr val="lt1"/>
+          </a:fontRef>
+        </p:style>
+        <p:txBody>
+          <a:bodyPr rtlCol="0" anchor="ctr"/>
+          <a:lstStyle/>
+          <a:p>
+            <a:pPr algn="ctr"/>
+            <a:endParaRPr lang="ru-RU" dirty="0"/>
+          </a:p>
+        </p:txBody>
+      </p:sp>
+      <p:sp>
+        <p:nvSpPr>
+          <p:cNvPr id="3" name="Текст 8">
+            <a:extLst>
+              <a:ext uri="{FF2B5EF4-FFF2-40B4-BE49-F238E27FC236}">
+                <a16:creationId xmlns:a16="http://schemas.microsoft.com/office/drawing/2014/main" id="{0D6DF13A-EA07-2898-D4E3-8F824E285781}"/>
+              </a:ext>
+            </a:extLst>
+          </p:cNvPr>
+          <p:cNvSpPr>
+            <a:spLocks noGrp="1"/>
+          </p:cNvSpPr>
+          <p:nvPr>
+            <p:ph type="body" sz="quarter" idx="12" hasCustomPrompt="1"/>
+          </p:nvPr>
+        </p:nvSpPr>
+        <p:spPr>
+          <a:xfrm>
+            <a:off x="491067" y="5439833"/>
+            <a:ext cx="1312333" cy="772447"/>
+          </a:xfrm>
+          <a:prstGeom prst="rect">
+            <a:avLst/>
+          </a:prstGeom>
+        </p:spPr>
+        <p:txBody>
+          <a:bodyPr/>
+          <a:lstStyle>
+            <a:lvl1pPr algn="ctr">
+              <a:buNone/>
+              <a:defRPr sz="5400"/>
+            </a:lvl1pPr>
+            <a:lvl2pPr>
+              <a:buNone/>
+              <a:defRPr/>
+            </a:lvl2pPr>
+            <a:lvl3pPr>
+              <a:buNone/>
+              <a:defRPr/>
+            </a:lvl3pPr>
+            <a:lvl4pPr>
+              <a:buNone/>
+              <a:defRPr/>
+            </a:lvl4pPr>
+            <a:lvl5pPr>
+              <a:buNone/>
+              <a:defRPr/>
+            </a:lvl5pPr>
+          </a:lstStyle>
+          <a:p>
+            <a:pPr lvl="0"/>
+            <a:r>
+              <a:rPr lang="en-US" dirty="0"/>
+              <a:t>#2</a:t>
+            </a:r>
+            <a:endParaRPr lang="ru-RU" dirty="0"/>
+          </a:p>
+        </p:txBody>
+      </p:sp>
+      <p:sp>
+        <p:nvSpPr>
+          <p:cNvPr id="4" name="Прямоугольник 3">
+            <a:extLst>
+              <a:ext uri="{FF2B5EF4-FFF2-40B4-BE49-F238E27FC236}">
+                <a16:creationId xmlns:a16="http://schemas.microsoft.com/office/drawing/2014/main" id="{7544C99D-70F2-04E7-610F-0023C0151DBB}"/>
+              </a:ext>
+            </a:extLst>
+          </p:cNvPr>
+          <p:cNvSpPr/>
+          <p:nvPr userDrawn="1"/>
+        </p:nvSpPr>
+        <p:spPr>
+          <a:xfrm>
+            <a:off x="5339166" y="0"/>
+            <a:ext cx="6852834" cy="6852834"/>
+          </a:xfrm>
+          <a:prstGeom prst="rect">
+            <a:avLst/>
+          </a:prstGeom>
+          <a:solidFill>
+            <a:srgbClr val="FFCB25"/>
+          </a:solidFill>
+        </p:spPr>
+        <p:style>
+          <a:lnRef idx="2">
+            <a:schemeClr val="accent1">
+              <a:shade val="15000"/>
+            </a:schemeClr>
+          </a:lnRef>
+          <a:fillRef idx="1">
+            <a:schemeClr val="accent1"/>
+          </a:fillRef>
+          <a:effectRef idx="0">
+            <a:schemeClr val="accent1"/>
+          </a:effectRef>
+          <a:fontRef idx="minor">
+            <a:schemeClr val="lt1"/>
+          </a:fontRef>
+        </p:style>
+        <p:txBody>
+          <a:bodyPr rtlCol="0" anchor="ctr"/>
+          <a:lstStyle/>
+          <a:p>
+            <a:pPr algn="ctr"/>
+            <a:endParaRPr lang="ru-RU" dirty="0"/>
+          </a:p>
+        </p:txBody>
+      </p:sp>
+      <p:sp>
+        <p:nvSpPr>
+          <p:cNvPr id="5" name="Текст 5">
+            <a:extLst>
+              <a:ext uri="{FF2B5EF4-FFF2-40B4-BE49-F238E27FC236}">
+                <a16:creationId xmlns:a16="http://schemas.microsoft.com/office/drawing/2014/main" id="{632E7B69-AAB5-2458-89E0-3726D5CBC6A8}"/>
+              </a:ext>
+            </a:extLst>
+          </p:cNvPr>
+          <p:cNvSpPr>
+            <a:spLocks noGrp="1"/>
+          </p:cNvSpPr>
+          <p:nvPr>
+            <p:ph type="body" sz="quarter" idx="13" hasCustomPrompt="1"/>
+          </p:nvPr>
+        </p:nvSpPr>
+        <p:spPr>
+          <a:xfrm>
+            <a:off x="0" y="3404716"/>
+            <a:ext cx="5339166" cy="1538032"/>
+          </a:xfrm>
+          <a:prstGeom prst="rect">
+            <a:avLst/>
+          </a:prstGeom>
+        </p:spPr>
+        <p:txBody>
+          <a:bodyPr/>
+          <a:lstStyle>
+            <a:lvl1pPr algn="ctr">
+              <a:buNone/>
+              <a:defRPr sz="2400">
+                <a:solidFill>
+                  <a:schemeClr val="bg2"/>
+                </a:solidFill>
+                <a:latin typeface="Arial" panose="020B0604020202020204" pitchFamily="34" charset="0"/>
+                <a:cs typeface="Arial" panose="020B0604020202020204" pitchFamily="34" charset="0"/>
+              </a:defRPr>
+            </a:lvl1pPr>
+            <a:lvl2pPr>
+              <a:buNone/>
+              <a:defRPr sz="2400"/>
+            </a:lvl2pPr>
+            <a:lvl3pPr>
+              <a:defRPr sz="2400"/>
+            </a:lvl3pPr>
+            <a:lvl4pPr>
+              <a:defRPr sz="2400"/>
+            </a:lvl4pPr>
+            <a:lvl5pPr>
+              <a:defRPr sz="2400"/>
+            </a:lvl5pPr>
+          </a:lstStyle>
+          <a:p>
+            <a:pPr lvl="0"/>
+            <a:r>
+              <a:rPr lang="ru-RU" dirty="0"/>
+              <a:t>Подзаголовок в несколько строк</a:t>
+            </a:r>
+          </a:p>
+          <a:p>
+            <a:pPr lvl="0"/>
+            <a:r>
+              <a:rPr lang="ru-RU" dirty="0"/>
+              <a:t>Подходит для подзаголовка в </a:t>
+            </a:r>
+          </a:p>
+          <a:p>
+            <a:pPr lvl="0"/>
+            <a:r>
+              <a:rPr lang="ru-RU" dirty="0"/>
+              <a:t>Три строки</a:t>
+            </a:r>
+          </a:p>
+        </p:txBody>
+      </p:sp>
+    </p:spTree>
+    <p:extLst>
+      <p:ext uri="{BB962C8B-B14F-4D97-AF65-F5344CB8AC3E}">
+        <p14:creationId xmlns:p14="http://schemas.microsoft.com/office/powerpoint/2010/main" val="1827729218"/>
+      </p:ext>
+    </p:extLst>
+  </p:cSld>
+  <p:clrMapOvr>
+    <a:masterClrMapping/>
+  </p:clrMapOvr>
+</p:sldLayout>
+</file>
+
 <file path=ppt/slideMasters/slideMaster1.xml><?xml version="1.0" encoding="utf-8"?>
 <p:sldMaster xmlns:a="http://schemas.openxmlformats.org/drawingml/2006/main" xmlns:r="http://schemas.openxmlformats.org/officeDocument/2006/relationships" xmlns:p="http://schemas.openxmlformats.org/presentationml/2006/main">
   <p:cSld>
@@ -399,6 +747,7 @@
   <p:clrMap bg1="lt1" tx1="dk1" bg2="lt2" tx2="dk2" accent1="accent1" accent2="accent2" accent3="accent3" accent4="accent4" accent5="accent5" accent6="accent6" hlink="hlink" folHlink="folHlink"/>
   <p:sldLayoutIdLst>
     <p:sldLayoutId id="2147483649" r:id="rId1"/>
+    <p:sldLayoutId id="2147483650" r:id="rId2"/>
   </p:sldLayoutIdLst>
   <p:txStyles>
     <p:titleStyle>
